--- a/flowchart/flowchart.pptx
+++ b/flowchart/flowchart.pptx
@@ -104,6 +104,11 @@
       </a:defRPr>
     </a:lvl9pPr>
   </p:defaultTextStyle>
+  <p:extLst>
+    <p:ext uri="{EFAFB233-063F-42B5-8137-9DF3F51BA10A}">
+      <p15:sldGuideLst xmlns:p15="http://schemas.microsoft.com/office/powerpoint/2012/main"/>
+    </p:ext>
+  </p:extLst>
 </p:presentation>
 </file>
 
@@ -5448,6 +5453,42 @@
           </a:p>
         </p:txBody>
       </p:sp>
+      <p:cxnSp>
+        <p:nvCxnSpPr>
+          <p:cNvPr id="6" name="直接箭头连接符 5"/>
+          <p:cNvCxnSpPr>
+            <a:stCxn id="11" idx="2"/>
+            <a:endCxn id="183" idx="0"/>
+          </p:cNvCxnSpPr>
+          <p:nvPr/>
+        </p:nvCxnSpPr>
+        <p:spPr>
+          <a:xfrm>
+            <a:off x="10202584" y="6218022"/>
+            <a:ext cx="0" cy="131042"/>
+          </a:xfrm>
+          <a:prstGeom prst="straightConnector1">
+            <a:avLst/>
+          </a:prstGeom>
+          <a:ln>
+            <a:tailEnd type="triangle"/>
+          </a:ln>
+        </p:spPr>
+        <p:style>
+          <a:lnRef idx="1">
+            <a:schemeClr val="accent1"/>
+          </a:lnRef>
+          <a:fillRef idx="0">
+            <a:schemeClr val="accent1"/>
+          </a:fillRef>
+          <a:effectRef idx="0">
+            <a:schemeClr val="accent1"/>
+          </a:effectRef>
+          <a:fontRef idx="minor">
+            <a:schemeClr val="tx1"/>
+          </a:fontRef>
+        </p:style>
+      </p:cxnSp>
     </p:spTree>
     <p:extLst>
       <p:ext uri="{BB962C8B-B14F-4D97-AF65-F5344CB8AC3E}">

--- a/flowchart/flowchart.pptx
+++ b/flowchart/flowchart.pptx
@@ -243,7 +243,7 @@
           <a:p>
             <a:fld id="{710D13BB-A3B2-41C9-B991-0CE9470A6061}" type="datetimeFigureOut">
               <a:rPr lang="en-US" smtClean="0"/>
-              <a:t>6/16/2017</a:t>
+              <a:t>6/19/17</a:t>
             </a:fld>
             <a:endParaRPr lang="en-US"/>
           </a:p>
@@ -413,7 +413,7 @@
           <a:p>
             <a:fld id="{710D13BB-A3B2-41C9-B991-0CE9470A6061}" type="datetimeFigureOut">
               <a:rPr lang="en-US" smtClean="0"/>
-              <a:t>6/16/2017</a:t>
+              <a:t>6/19/17</a:t>
             </a:fld>
             <a:endParaRPr lang="en-US"/>
           </a:p>
@@ -593,7 +593,7 @@
           <a:p>
             <a:fld id="{710D13BB-A3B2-41C9-B991-0CE9470A6061}" type="datetimeFigureOut">
               <a:rPr lang="en-US" smtClean="0"/>
-              <a:t>6/16/2017</a:t>
+              <a:t>6/19/17</a:t>
             </a:fld>
             <a:endParaRPr lang="en-US"/>
           </a:p>
@@ -763,7 +763,7 @@
           <a:p>
             <a:fld id="{710D13BB-A3B2-41C9-B991-0CE9470A6061}" type="datetimeFigureOut">
               <a:rPr lang="en-US" smtClean="0"/>
-              <a:t>6/16/2017</a:t>
+              <a:t>6/19/17</a:t>
             </a:fld>
             <a:endParaRPr lang="en-US"/>
           </a:p>
@@ -1009,7 +1009,7 @@
           <a:p>
             <a:fld id="{710D13BB-A3B2-41C9-B991-0CE9470A6061}" type="datetimeFigureOut">
               <a:rPr lang="en-US" smtClean="0"/>
-              <a:t>6/16/2017</a:t>
+              <a:t>6/19/17</a:t>
             </a:fld>
             <a:endParaRPr lang="en-US"/>
           </a:p>
@@ -1241,7 +1241,7 @@
           <a:p>
             <a:fld id="{710D13BB-A3B2-41C9-B991-0CE9470A6061}" type="datetimeFigureOut">
               <a:rPr lang="en-US" smtClean="0"/>
-              <a:t>6/16/2017</a:t>
+              <a:t>6/19/17</a:t>
             </a:fld>
             <a:endParaRPr lang="en-US"/>
           </a:p>
@@ -1608,7 +1608,7 @@
           <a:p>
             <a:fld id="{710D13BB-A3B2-41C9-B991-0CE9470A6061}" type="datetimeFigureOut">
               <a:rPr lang="en-US" smtClean="0"/>
-              <a:t>6/16/2017</a:t>
+              <a:t>6/19/17</a:t>
             </a:fld>
             <a:endParaRPr lang="en-US"/>
           </a:p>
@@ -1726,7 +1726,7 @@
           <a:p>
             <a:fld id="{710D13BB-A3B2-41C9-B991-0CE9470A6061}" type="datetimeFigureOut">
               <a:rPr lang="en-US" smtClean="0"/>
-              <a:t>6/16/2017</a:t>
+              <a:t>6/19/17</a:t>
             </a:fld>
             <a:endParaRPr lang="en-US"/>
           </a:p>
@@ -1821,7 +1821,7 @@
           <a:p>
             <a:fld id="{710D13BB-A3B2-41C9-B991-0CE9470A6061}" type="datetimeFigureOut">
               <a:rPr lang="en-US" smtClean="0"/>
-              <a:t>6/16/2017</a:t>
+              <a:t>6/19/17</a:t>
             </a:fld>
             <a:endParaRPr lang="en-US"/>
           </a:p>
@@ -2098,7 +2098,7 @@
           <a:p>
             <a:fld id="{710D13BB-A3B2-41C9-B991-0CE9470A6061}" type="datetimeFigureOut">
               <a:rPr lang="en-US" smtClean="0"/>
-              <a:t>6/16/2017</a:t>
+              <a:t>6/19/17</a:t>
             </a:fld>
             <a:endParaRPr lang="en-US"/>
           </a:p>
@@ -2351,7 +2351,7 @@
           <a:p>
             <a:fld id="{710D13BB-A3B2-41C9-B991-0CE9470A6061}" type="datetimeFigureOut">
               <a:rPr lang="en-US" smtClean="0"/>
-              <a:t>6/16/2017</a:t>
+              <a:t>6/19/17</a:t>
             </a:fld>
             <a:endParaRPr lang="en-US"/>
           </a:p>
@@ -2564,7 +2564,7 @@
           <a:p>
             <a:fld id="{710D13BB-A3B2-41C9-B991-0CE9470A6061}" type="datetimeFigureOut">
               <a:rPr lang="en-US" smtClean="0"/>
-              <a:t>6/16/2017</a:t>
+              <a:t>6/19/17</a:t>
             </a:fld>
             <a:endParaRPr lang="en-US"/>
           </a:p>
@@ -3032,7 +3032,7 @@
         </p:nvSpPr>
         <p:spPr>
           <a:xfrm>
-            <a:off x="9288184" y="5760822"/>
+            <a:off x="9288184" y="4804006"/>
             <a:ext cx="1828800" cy="457200"/>
           </a:xfrm>
           <a:prstGeom prst="rect">
@@ -3197,7 +3197,7 @@
         </p:nvSpPr>
         <p:spPr>
           <a:xfrm>
-            <a:off x="2599041" y="4948880"/>
+            <a:off x="2370640" y="4804006"/>
             <a:ext cx="1828800" cy="457200"/>
           </a:xfrm>
           <a:prstGeom prst="rect">
@@ -3252,7 +3252,7 @@
         </p:nvSpPr>
         <p:spPr>
           <a:xfrm>
-            <a:off x="9288184" y="3455256"/>
+            <a:off x="9288184" y="2780011"/>
             <a:ext cx="1828800" cy="457200"/>
           </a:xfrm>
           <a:prstGeom prst="rect">
@@ -3307,7 +3307,7 @@
         </p:nvSpPr>
         <p:spPr>
           <a:xfrm>
-            <a:off x="6858013" y="4950939"/>
+            <a:off x="6858013" y="4804006"/>
             <a:ext cx="1828800" cy="457200"/>
           </a:xfrm>
           <a:prstGeom prst="rect">
@@ -3362,7 +3362,7 @@
         </p:nvSpPr>
         <p:spPr>
           <a:xfrm>
-            <a:off x="6858013" y="2081593"/>
+            <a:off x="6858013" y="1495414"/>
             <a:ext cx="1828800" cy="457200"/>
           </a:xfrm>
           <a:prstGeom prst="rect">
@@ -3417,8 +3417,8 @@
         </p:nvSpPr>
         <p:spPr>
           <a:xfrm>
-            <a:off x="2599041" y="2045295"/>
-            <a:ext cx="1828800" cy="457200"/>
+            <a:off x="2214612" y="2057131"/>
+            <a:ext cx="2110971" cy="457200"/>
           </a:xfrm>
           <a:prstGeom prst="rect">
             <a:avLst/>
@@ -3663,8 +3663,8 @@
         </p:nvCxnSpPr>
         <p:spPr>
           <a:xfrm flipH="1">
-            <a:off x="4427841" y="1717586"/>
-            <a:ext cx="300686" cy="556309"/>
+            <a:off x="4325583" y="1717586"/>
+            <a:ext cx="402944" cy="568145"/>
           </a:xfrm>
           <a:prstGeom prst="straightConnector1">
             <a:avLst/>
@@ -3700,7 +3700,7 @@
         <p:spPr>
           <a:xfrm>
             <a:off x="6557327" y="1717586"/>
-            <a:ext cx="300686" cy="592607"/>
+            <a:ext cx="300686" cy="6428"/>
           </a:xfrm>
           <a:prstGeom prst="straightConnector1">
             <a:avLst/>
@@ -3734,9 +3734,9 @@
           <p:nvPr/>
         </p:nvCxnSpPr>
         <p:spPr>
-          <a:xfrm>
-            <a:off x="3513441" y="2502495"/>
-            <a:ext cx="0" cy="266961"/>
+          <a:xfrm flipH="1">
+            <a:off x="3270097" y="2514331"/>
+            <a:ext cx="1" cy="265680"/>
           </a:xfrm>
           <a:prstGeom prst="straightConnector1">
             <a:avLst/>
@@ -3768,7 +3768,7 @@
         </p:nvSpPr>
         <p:spPr>
           <a:xfrm>
-            <a:off x="2599041" y="2769456"/>
+            <a:off x="2355697" y="2780011"/>
             <a:ext cx="1828800" cy="457200"/>
           </a:xfrm>
           <a:prstGeom prst="rect">
@@ -3884,7 +3884,7 @@
         </p:nvSpPr>
         <p:spPr>
           <a:xfrm>
-            <a:off x="2599041" y="3471732"/>
+            <a:off x="2355697" y="3455511"/>
             <a:ext cx="1828800" cy="457200"/>
           </a:xfrm>
           <a:prstGeom prst="rect">
@@ -4003,8 +4003,8 @@
         </p:nvCxnSpPr>
         <p:spPr>
           <a:xfrm>
-            <a:off x="7772413" y="2538793"/>
-            <a:ext cx="0" cy="241218"/>
+            <a:off x="7772413" y="1952614"/>
+            <a:ext cx="0" cy="827397"/>
           </a:xfrm>
           <a:prstGeom prst="straightConnector1">
             <a:avLst/>
@@ -4074,9 +4074,9 @@
           <p:nvPr/>
         </p:nvCxnSpPr>
         <p:spPr>
-          <a:xfrm>
-            <a:off x="4427841" y="2998056"/>
-            <a:ext cx="300686" cy="0"/>
+          <a:xfrm flipV="1">
+            <a:off x="4184497" y="2998056"/>
+            <a:ext cx="544030" cy="10555"/>
           </a:xfrm>
           <a:prstGeom prst="straightConnector1">
             <a:avLst/>
@@ -4111,8 +4111,8 @@
         </p:nvCxnSpPr>
         <p:spPr>
           <a:xfrm flipH="1">
-            <a:off x="4427841" y="3226656"/>
-            <a:ext cx="1215086" cy="473676"/>
+            <a:off x="4184497" y="3226656"/>
+            <a:ext cx="1458430" cy="457455"/>
           </a:xfrm>
           <a:prstGeom prst="straightConnector1">
             <a:avLst/>
@@ -4557,7 +4557,7 @@
         <p:spPr>
           <a:xfrm>
             <a:off x="1068872" y="4349578"/>
-            <a:ext cx="1530169" cy="827902"/>
+            <a:ext cx="1301768" cy="683028"/>
           </a:xfrm>
           <a:prstGeom prst="straightConnector1">
             <a:avLst/>
@@ -4592,8 +4592,8 @@
         </p:nvCxnSpPr>
         <p:spPr>
           <a:xfrm>
-            <a:off x="3513441" y="3928932"/>
-            <a:ext cx="0" cy="1019948"/>
+            <a:off x="3270097" y="3912711"/>
+            <a:ext cx="14943" cy="891295"/>
           </a:xfrm>
           <a:prstGeom prst="straightConnector1">
             <a:avLst/>
@@ -4629,7 +4629,7 @@
         <p:spPr>
           <a:xfrm>
             <a:off x="7772413" y="3912456"/>
-            <a:ext cx="0" cy="1038483"/>
+            <a:ext cx="0" cy="891550"/>
           </a:xfrm>
           <a:prstGeom prst="straightConnector1">
             <a:avLst/>
@@ -4661,7 +4661,7 @@
         </p:nvSpPr>
         <p:spPr>
           <a:xfrm>
-            <a:off x="150356" y="4948880"/>
+            <a:off x="150356" y="4804006"/>
             <a:ext cx="1828800" cy="457200"/>
           </a:xfrm>
           <a:prstGeom prst="rect">
@@ -4777,7 +4777,7 @@
         </p:nvSpPr>
         <p:spPr>
           <a:xfrm>
-            <a:off x="4728526" y="4948880"/>
+            <a:off x="4728527" y="4804006"/>
             <a:ext cx="1828800" cy="457200"/>
           </a:xfrm>
           <a:prstGeom prst="rect">
@@ -4874,8 +4874,8 @@
         </p:nvCxnSpPr>
         <p:spPr>
           <a:xfrm>
-            <a:off x="1979156" y="5177480"/>
-            <a:ext cx="619885" cy="0"/>
+            <a:off x="1979156" y="5032606"/>
+            <a:ext cx="391484" cy="0"/>
           </a:xfrm>
           <a:prstGeom prst="straightConnector1">
             <a:avLst/>
@@ -4910,8 +4910,8 @@
         </p:nvCxnSpPr>
         <p:spPr>
           <a:xfrm flipV="1">
-            <a:off x="1983271" y="5177480"/>
-            <a:ext cx="615770" cy="909768"/>
+            <a:off x="1983271" y="5032606"/>
+            <a:ext cx="387369" cy="1054642"/>
           </a:xfrm>
           <a:prstGeom prst="straightConnector1">
             <a:avLst/>
@@ -4946,8 +4946,8 @@
         </p:nvCxnSpPr>
         <p:spPr>
           <a:xfrm>
-            <a:off x="4427841" y="5177480"/>
-            <a:ext cx="300685" cy="0"/>
+            <a:off x="4199440" y="5032606"/>
+            <a:ext cx="529087" cy="0"/>
           </a:xfrm>
           <a:prstGeom prst="straightConnector1">
             <a:avLst/>
@@ -4982,8 +4982,8 @@
         </p:nvCxnSpPr>
         <p:spPr>
           <a:xfrm>
-            <a:off x="6557326" y="5177480"/>
-            <a:ext cx="300687" cy="2059"/>
+            <a:off x="6557327" y="5032606"/>
+            <a:ext cx="300686" cy="0"/>
           </a:xfrm>
           <a:prstGeom prst="straightConnector1">
             <a:avLst/>
@@ -5015,7 +5015,7 @@
         </p:nvSpPr>
         <p:spPr>
           <a:xfrm>
-            <a:off x="9288184" y="4362697"/>
+            <a:off x="9294713" y="3453064"/>
             <a:ext cx="1828800" cy="1045952"/>
           </a:xfrm>
           <a:prstGeom prst="rect">
@@ -5134,8 +5134,8 @@
         </p:nvCxnSpPr>
         <p:spPr>
           <a:xfrm>
-            <a:off x="7772413" y="5408139"/>
-            <a:ext cx="0" cy="352683"/>
+            <a:off x="7772413" y="5261206"/>
+            <a:ext cx="0" cy="499616"/>
           </a:xfrm>
           <a:prstGeom prst="straightConnector1">
             <a:avLst/>
@@ -5170,8 +5170,8 @@
         </p:nvCxnSpPr>
         <p:spPr>
           <a:xfrm flipV="1">
-            <a:off x="8686813" y="4885673"/>
-            <a:ext cx="601371" cy="293866"/>
+            <a:off x="8686813" y="3976040"/>
+            <a:ext cx="607900" cy="1056566"/>
           </a:xfrm>
           <a:prstGeom prst="straightConnector1">
             <a:avLst/>
@@ -5205,9 +5205,9 @@
           <p:nvPr/>
         </p:nvCxnSpPr>
         <p:spPr>
-          <a:xfrm>
-            <a:off x="10202584" y="5408649"/>
-            <a:ext cx="0" cy="352173"/>
+          <a:xfrm flipH="1">
+            <a:off x="10202584" y="4499016"/>
+            <a:ext cx="6529" cy="304990"/>
           </a:xfrm>
           <a:prstGeom prst="straightConnector1">
             <a:avLst/>
@@ -5242,8 +5242,8 @@
         </p:nvCxnSpPr>
         <p:spPr>
           <a:xfrm flipV="1">
-            <a:off x="8686813" y="5989422"/>
-            <a:ext cx="601371" cy="294121"/>
+            <a:off x="8686813" y="5032606"/>
+            <a:ext cx="601371" cy="1250937"/>
           </a:xfrm>
           <a:prstGeom prst="straightConnector1">
             <a:avLst/>
@@ -5277,9 +5277,9 @@
           <p:nvPr/>
         </p:nvCxnSpPr>
         <p:spPr>
-          <a:xfrm flipV="1">
-            <a:off x="10202584" y="3912456"/>
-            <a:ext cx="0" cy="450241"/>
+          <a:xfrm flipH="1" flipV="1">
+            <a:off x="10202584" y="3237211"/>
+            <a:ext cx="6529" cy="215853"/>
           </a:xfrm>
           <a:prstGeom prst="straightConnector1">
             <a:avLst/>
@@ -5315,7 +5315,7 @@
         <p:spPr>
           <a:xfrm flipV="1">
             <a:off x="10202584" y="2514331"/>
-            <a:ext cx="0" cy="940925"/>
+            <a:ext cx="0" cy="265680"/>
           </a:xfrm>
           <a:prstGeom prst="straightConnector1">
             <a:avLst/>
@@ -5403,7 +5403,7 @@
         </p:nvSpPr>
         <p:spPr>
           <a:xfrm>
-            <a:off x="9288184" y="6349064"/>
+            <a:off x="9288183" y="5760822"/>
             <a:ext cx="1828800" cy="457200"/>
           </a:xfrm>
           <a:prstGeom prst="rect">
@@ -5463,9 +5463,9 @@
           <p:nvPr/>
         </p:nvCxnSpPr>
         <p:spPr>
-          <a:xfrm>
-            <a:off x="10202584" y="6218022"/>
-            <a:ext cx="0" cy="131042"/>
+          <a:xfrm flipH="1">
+            <a:off x="10202583" y="5261206"/>
+            <a:ext cx="1" cy="499616"/>
           </a:xfrm>
           <a:prstGeom prst="straightConnector1">
             <a:avLst/>

--- a/flowchart/flowchart.pptx
+++ b/flowchart/flowchart.pptx
@@ -243,7 +243,7 @@
           <a:p>
             <a:fld id="{710D13BB-A3B2-41C9-B991-0CE9470A6061}" type="datetimeFigureOut">
               <a:rPr lang="en-US" smtClean="0"/>
-              <a:t>6/19/17</a:t>
+              <a:t>7/5/2017</a:t>
             </a:fld>
             <a:endParaRPr lang="en-US"/>
           </a:p>
@@ -413,7 +413,7 @@
           <a:p>
             <a:fld id="{710D13BB-A3B2-41C9-B991-0CE9470A6061}" type="datetimeFigureOut">
               <a:rPr lang="en-US" smtClean="0"/>
-              <a:t>6/19/17</a:t>
+              <a:t>7/5/2017</a:t>
             </a:fld>
             <a:endParaRPr lang="en-US"/>
           </a:p>
@@ -593,7 +593,7 @@
           <a:p>
             <a:fld id="{710D13BB-A3B2-41C9-B991-0CE9470A6061}" type="datetimeFigureOut">
               <a:rPr lang="en-US" smtClean="0"/>
-              <a:t>6/19/17</a:t>
+              <a:t>7/5/2017</a:t>
             </a:fld>
             <a:endParaRPr lang="en-US"/>
           </a:p>
@@ -763,7 +763,7 @@
           <a:p>
             <a:fld id="{710D13BB-A3B2-41C9-B991-0CE9470A6061}" type="datetimeFigureOut">
               <a:rPr lang="en-US" smtClean="0"/>
-              <a:t>6/19/17</a:t>
+              <a:t>7/5/2017</a:t>
             </a:fld>
             <a:endParaRPr lang="en-US"/>
           </a:p>
@@ -1009,7 +1009,7 @@
           <a:p>
             <a:fld id="{710D13BB-A3B2-41C9-B991-0CE9470A6061}" type="datetimeFigureOut">
               <a:rPr lang="en-US" smtClean="0"/>
-              <a:t>6/19/17</a:t>
+              <a:t>7/5/2017</a:t>
             </a:fld>
             <a:endParaRPr lang="en-US"/>
           </a:p>
@@ -1241,7 +1241,7 @@
           <a:p>
             <a:fld id="{710D13BB-A3B2-41C9-B991-0CE9470A6061}" type="datetimeFigureOut">
               <a:rPr lang="en-US" smtClean="0"/>
-              <a:t>6/19/17</a:t>
+              <a:t>7/5/2017</a:t>
             </a:fld>
             <a:endParaRPr lang="en-US"/>
           </a:p>
@@ -1608,7 +1608,7 @@
           <a:p>
             <a:fld id="{710D13BB-A3B2-41C9-B991-0CE9470A6061}" type="datetimeFigureOut">
               <a:rPr lang="en-US" smtClean="0"/>
-              <a:t>6/19/17</a:t>
+              <a:t>7/5/2017</a:t>
             </a:fld>
             <a:endParaRPr lang="en-US"/>
           </a:p>
@@ -1726,7 +1726,7 @@
           <a:p>
             <a:fld id="{710D13BB-A3B2-41C9-B991-0CE9470A6061}" type="datetimeFigureOut">
               <a:rPr lang="en-US" smtClean="0"/>
-              <a:t>6/19/17</a:t>
+              <a:t>7/5/2017</a:t>
             </a:fld>
             <a:endParaRPr lang="en-US"/>
           </a:p>
@@ -1821,7 +1821,7 @@
           <a:p>
             <a:fld id="{710D13BB-A3B2-41C9-B991-0CE9470A6061}" type="datetimeFigureOut">
               <a:rPr lang="en-US" smtClean="0"/>
-              <a:t>6/19/17</a:t>
+              <a:t>7/5/2017</a:t>
             </a:fld>
             <a:endParaRPr lang="en-US"/>
           </a:p>
@@ -2098,7 +2098,7 @@
           <a:p>
             <a:fld id="{710D13BB-A3B2-41C9-B991-0CE9470A6061}" type="datetimeFigureOut">
               <a:rPr lang="en-US" smtClean="0"/>
-              <a:t>6/19/17</a:t>
+              <a:t>7/5/2017</a:t>
             </a:fld>
             <a:endParaRPr lang="en-US"/>
           </a:p>
@@ -2351,7 +2351,7 @@
           <a:p>
             <a:fld id="{710D13BB-A3B2-41C9-B991-0CE9470A6061}" type="datetimeFigureOut">
               <a:rPr lang="en-US" smtClean="0"/>
-              <a:t>6/19/17</a:t>
+              <a:t>7/5/2017</a:t>
             </a:fld>
             <a:endParaRPr lang="en-US"/>
           </a:p>
@@ -2564,7 +2564,7 @@
           <a:p>
             <a:fld id="{710D13BB-A3B2-41C9-B991-0CE9470A6061}" type="datetimeFigureOut">
               <a:rPr lang="en-US" smtClean="0"/>
-              <a:t>6/19/17</a:t>
+              <a:t>7/5/2017</a:t>
             </a:fld>
             <a:endParaRPr lang="en-US"/>
           </a:p>
@@ -3417,7 +3417,7 @@
         </p:nvSpPr>
         <p:spPr>
           <a:xfrm>
-            <a:off x="2214612" y="2057131"/>
+            <a:off x="2214611" y="1976540"/>
             <a:ext cx="2110971" cy="457200"/>
           </a:xfrm>
           <a:prstGeom prst="rect">
@@ -3663,8 +3663,8 @@
         </p:nvCxnSpPr>
         <p:spPr>
           <a:xfrm flipH="1">
-            <a:off x="4325583" y="1717586"/>
-            <a:ext cx="402944" cy="568145"/>
+            <a:off x="4325582" y="1717586"/>
+            <a:ext cx="402945" cy="487554"/>
           </a:xfrm>
           <a:prstGeom prst="straightConnector1">
             <a:avLst/>
@@ -3734,9 +3734,9 @@
           <p:nvPr/>
         </p:nvCxnSpPr>
         <p:spPr>
-          <a:xfrm flipH="1">
-            <a:off x="3270097" y="2514331"/>
-            <a:ext cx="1" cy="265680"/>
+          <a:xfrm>
+            <a:off x="3270097" y="2433740"/>
+            <a:ext cx="0" cy="346270"/>
           </a:xfrm>
           <a:prstGeom prst="straightConnector1">
             <a:avLst/>
@@ -3768,8 +3768,8 @@
         </p:nvSpPr>
         <p:spPr>
           <a:xfrm>
-            <a:off x="2355697" y="2780011"/>
-            <a:ext cx="1828800" cy="457200"/>
+            <a:off x="2355697" y="2780010"/>
+            <a:ext cx="1828800" cy="880995"/>
           </a:xfrm>
           <a:prstGeom prst="rect">
             <a:avLst/>
@@ -3808,7 +3808,15 @@
                   <a:schemeClr val="tx1"/>
                 </a:solidFill>
               </a:rPr>
-              <a:t>Damage on each node</a:t>
+              <a:t>Simulated damage </a:t>
+            </a:r>
+            <a:r>
+              <a:rPr lang="en-US" dirty="0" smtClean="0">
+                <a:solidFill>
+                  <a:schemeClr val="tx1"/>
+                </a:solidFill>
+              </a:rPr>
+              <a:t>on each node</a:t>
             </a:r>
             <a:endParaRPr lang="en-US" dirty="0">
               <a:solidFill>
@@ -3884,7 +3892,7 @@
         </p:nvSpPr>
         <p:spPr>
           <a:xfrm>
-            <a:off x="2355697" y="3455511"/>
+            <a:off x="2370640" y="3889606"/>
             <a:ext cx="1828800" cy="457200"/>
           </a:xfrm>
           <a:prstGeom prst="rect">
@@ -3942,7 +3950,7 @@
         </p:nvSpPr>
         <p:spPr>
           <a:xfrm>
-            <a:off x="6858013" y="3455256"/>
+            <a:off x="6858013" y="3889606"/>
             <a:ext cx="1828800" cy="457200"/>
           </a:xfrm>
           <a:prstGeom prst="rect">
@@ -4076,7 +4084,7 @@
         <p:spPr>
           <a:xfrm flipV="1">
             <a:off x="4184497" y="2998056"/>
-            <a:ext cx="544030" cy="10555"/>
+            <a:ext cx="544030" cy="222452"/>
           </a:xfrm>
           <a:prstGeom prst="straightConnector1">
             <a:avLst/>
@@ -4111,8 +4119,8 @@
         </p:nvCxnSpPr>
         <p:spPr>
           <a:xfrm flipH="1">
-            <a:off x="4184497" y="3226656"/>
-            <a:ext cx="1458430" cy="457455"/>
+            <a:off x="4199440" y="3226656"/>
+            <a:ext cx="1443487" cy="891550"/>
           </a:xfrm>
           <a:prstGeom prst="straightConnector1">
             <a:avLst/>
@@ -4148,7 +4156,7 @@
         <p:spPr>
           <a:xfrm>
             <a:off x="5642927" y="3226656"/>
-            <a:ext cx="1215086" cy="457200"/>
+            <a:ext cx="1215086" cy="891550"/>
           </a:xfrm>
           <a:prstGeom prst="straightConnector1">
             <a:avLst/>
@@ -4592,8 +4600,8 @@
         </p:nvCxnSpPr>
         <p:spPr>
           <a:xfrm>
-            <a:off x="3270097" y="3912711"/>
-            <a:ext cx="14943" cy="891295"/>
+            <a:off x="3285040" y="4346806"/>
+            <a:ext cx="0" cy="457200"/>
           </a:xfrm>
           <a:prstGeom prst="straightConnector1">
             <a:avLst/>
@@ -4628,8 +4636,8 @@
         </p:nvCxnSpPr>
         <p:spPr>
           <a:xfrm>
-            <a:off x="7772413" y="3912456"/>
-            <a:ext cx="0" cy="891550"/>
+            <a:off x="7772413" y="4346806"/>
+            <a:ext cx="0" cy="457200"/>
           </a:xfrm>
           <a:prstGeom prst="straightConnector1">
             <a:avLst/>
@@ -4777,8 +4785,8 @@
         </p:nvSpPr>
         <p:spPr>
           <a:xfrm>
-            <a:off x="4728527" y="4804006"/>
-            <a:ext cx="1828800" cy="457200"/>
+            <a:off x="4728527" y="4646139"/>
+            <a:ext cx="1828800" cy="782595"/>
           </a:xfrm>
           <a:prstGeom prst="rect">
             <a:avLst/>
@@ -4817,7 +4825,15 @@
                   <a:schemeClr val="tx1"/>
                 </a:solidFill>
               </a:rPr>
-              <a:t>Damage on each node</a:t>
+              <a:t>Interpolated damage </a:t>
+            </a:r>
+            <a:r>
+              <a:rPr lang="en-US" dirty="0" smtClean="0">
+                <a:solidFill>
+                  <a:schemeClr val="tx1"/>
+                </a:solidFill>
+              </a:rPr>
+              <a:t>on each node</a:t>
             </a:r>
             <a:endParaRPr lang="en-US" dirty="0">
               <a:solidFill>
@@ -4947,7 +4963,7 @@
         <p:spPr>
           <a:xfrm>
             <a:off x="4199440" y="5032606"/>
-            <a:ext cx="529087" cy="0"/>
+            <a:ext cx="529087" cy="4831"/>
           </a:xfrm>
           <a:prstGeom prst="straightConnector1">
             <a:avLst/>
@@ -4981,9 +4997,9 @@
           <p:nvPr/>
         </p:nvCxnSpPr>
         <p:spPr>
-          <a:xfrm>
+          <a:xfrm flipV="1">
             <a:off x="6557327" y="5032606"/>
-            <a:ext cx="300686" cy="0"/>
+            <a:ext cx="300686" cy="4831"/>
           </a:xfrm>
           <a:prstGeom prst="straightConnector1">
             <a:avLst/>
@@ -5489,6 +5505,56 @@
           </a:fontRef>
         </p:style>
       </p:cxnSp>
+      <p:sp>
+        <p:nvSpPr>
+          <p:cNvPr id="30" name="TextBox 29"/>
+          <p:cNvSpPr txBox="1"/>
+          <p:nvPr/>
+        </p:nvSpPr>
+        <p:spPr>
+          <a:xfrm>
+            <a:off x="337751" y="74141"/>
+            <a:ext cx="3402227" cy="553998"/>
+          </a:xfrm>
+          <a:prstGeom prst="rect">
+            <a:avLst/>
+          </a:prstGeom>
+          <a:noFill/>
+        </p:spPr>
+        <p:txBody>
+          <a:bodyPr wrap="square" rtlCol="0">
+            <a:spAutoFit/>
+          </a:bodyPr>
+          <a:lstStyle/>
+          <a:p>
+            <a:r>
+              <a:rPr lang="en-US" sz="1000" dirty="0" smtClean="0"/>
+              <a:t>1. dashed blocks -- inputs and outputs</a:t>
+            </a:r>
+          </a:p>
+          <a:p>
+            <a:r>
+              <a:rPr lang="en-US" sz="1000" dirty="0" smtClean="0"/>
+              <a:t>2. </a:t>
+            </a:r>
+            <a:r>
+              <a:rPr lang="en-US" sz="1000" dirty="0"/>
+              <a:t>s</a:t>
+            </a:r>
+            <a:r>
+              <a:rPr lang="en-US" sz="1000" dirty="0" smtClean="0"/>
+              <a:t>olid blocks – python files</a:t>
+            </a:r>
+          </a:p>
+          <a:p>
+            <a:r>
+              <a:rPr lang="en-US" sz="1000" dirty="0" smtClean="0"/>
+              <a:t>3. Bold solid blocks – outputs of the model</a:t>
+            </a:r>
+            <a:endParaRPr lang="en-US" sz="1000" dirty="0"/>
+          </a:p>
+        </p:txBody>
+      </p:sp>
     </p:spTree>
     <p:extLst>
       <p:ext uri="{BB962C8B-B14F-4D97-AF65-F5344CB8AC3E}">

--- a/flowchart/flowchart.pptx
+++ b/flowchart/flowchart.pptx
@@ -243,7 +243,7 @@
           <a:p>
             <a:fld id="{710D13BB-A3B2-41C9-B991-0CE9470A6061}" type="datetimeFigureOut">
               <a:rPr lang="en-US" smtClean="0"/>
-              <a:t>7/5/2017</a:t>
+              <a:t>8/12/2017</a:t>
             </a:fld>
             <a:endParaRPr lang="en-US"/>
           </a:p>
@@ -413,7 +413,7 @@
           <a:p>
             <a:fld id="{710D13BB-A3B2-41C9-B991-0CE9470A6061}" type="datetimeFigureOut">
               <a:rPr lang="en-US" smtClean="0"/>
-              <a:t>7/5/2017</a:t>
+              <a:t>8/12/2017</a:t>
             </a:fld>
             <a:endParaRPr lang="en-US"/>
           </a:p>
@@ -593,7 +593,7 @@
           <a:p>
             <a:fld id="{710D13BB-A3B2-41C9-B991-0CE9470A6061}" type="datetimeFigureOut">
               <a:rPr lang="en-US" smtClean="0"/>
-              <a:t>7/5/2017</a:t>
+              <a:t>8/12/2017</a:t>
             </a:fld>
             <a:endParaRPr lang="en-US"/>
           </a:p>
@@ -763,7 +763,7 @@
           <a:p>
             <a:fld id="{710D13BB-A3B2-41C9-B991-0CE9470A6061}" type="datetimeFigureOut">
               <a:rPr lang="en-US" smtClean="0"/>
-              <a:t>7/5/2017</a:t>
+              <a:t>8/12/2017</a:t>
             </a:fld>
             <a:endParaRPr lang="en-US"/>
           </a:p>
@@ -1009,7 +1009,7 @@
           <a:p>
             <a:fld id="{710D13BB-A3B2-41C9-B991-0CE9470A6061}" type="datetimeFigureOut">
               <a:rPr lang="en-US" smtClean="0"/>
-              <a:t>7/5/2017</a:t>
+              <a:t>8/12/2017</a:t>
             </a:fld>
             <a:endParaRPr lang="en-US"/>
           </a:p>
@@ -1241,7 +1241,7 @@
           <a:p>
             <a:fld id="{710D13BB-A3B2-41C9-B991-0CE9470A6061}" type="datetimeFigureOut">
               <a:rPr lang="en-US" smtClean="0"/>
-              <a:t>7/5/2017</a:t>
+              <a:t>8/12/2017</a:t>
             </a:fld>
             <a:endParaRPr lang="en-US"/>
           </a:p>
@@ -1608,7 +1608,7 @@
           <a:p>
             <a:fld id="{710D13BB-A3B2-41C9-B991-0CE9470A6061}" type="datetimeFigureOut">
               <a:rPr lang="en-US" smtClean="0"/>
-              <a:t>7/5/2017</a:t>
+              <a:t>8/12/2017</a:t>
             </a:fld>
             <a:endParaRPr lang="en-US"/>
           </a:p>
@@ -1726,7 +1726,7 @@
           <a:p>
             <a:fld id="{710D13BB-A3B2-41C9-B991-0CE9470A6061}" type="datetimeFigureOut">
               <a:rPr lang="en-US" smtClean="0"/>
-              <a:t>7/5/2017</a:t>
+              <a:t>8/12/2017</a:t>
             </a:fld>
             <a:endParaRPr lang="en-US"/>
           </a:p>
@@ -1821,7 +1821,7 @@
           <a:p>
             <a:fld id="{710D13BB-A3B2-41C9-B991-0CE9470A6061}" type="datetimeFigureOut">
               <a:rPr lang="en-US" smtClean="0"/>
-              <a:t>7/5/2017</a:t>
+              <a:t>8/12/2017</a:t>
             </a:fld>
             <a:endParaRPr lang="en-US"/>
           </a:p>
@@ -2098,7 +2098,7 @@
           <a:p>
             <a:fld id="{710D13BB-A3B2-41C9-B991-0CE9470A6061}" type="datetimeFigureOut">
               <a:rPr lang="en-US" smtClean="0"/>
-              <a:t>7/5/2017</a:t>
+              <a:t>8/12/2017</a:t>
             </a:fld>
             <a:endParaRPr lang="en-US"/>
           </a:p>
@@ -2351,7 +2351,7 @@
           <a:p>
             <a:fld id="{710D13BB-A3B2-41C9-B991-0CE9470A6061}" type="datetimeFigureOut">
               <a:rPr lang="en-US" smtClean="0"/>
-              <a:t>7/5/2017</a:t>
+              <a:t>8/12/2017</a:t>
             </a:fld>
             <a:endParaRPr lang="en-US"/>
           </a:p>
@@ -2564,7 +2564,7 @@
           <a:p>
             <a:fld id="{710D13BB-A3B2-41C9-B991-0CE9470A6061}" type="datetimeFigureOut">
               <a:rPr lang="en-US" smtClean="0"/>
-              <a:t>7/5/2017</a:t>
+              <a:t>8/12/2017</a:t>
             </a:fld>
             <a:endParaRPr lang="en-US"/>
           </a:p>
@@ -2977,7 +2977,7 @@
         </p:nvSpPr>
         <p:spPr>
           <a:xfrm>
-            <a:off x="4728527" y="814514"/>
+            <a:off x="5290059" y="814514"/>
             <a:ext cx="1828800" cy="457200"/>
           </a:xfrm>
           <a:prstGeom prst="rect">
@@ -3032,7 +3032,7 @@
         </p:nvSpPr>
         <p:spPr>
           <a:xfrm>
-            <a:off x="9288184" y="4804006"/>
+            <a:off x="9849716" y="4804006"/>
             <a:ext cx="1828800" cy="457200"/>
           </a:xfrm>
           <a:prstGeom prst="rect">
@@ -3087,7 +3087,7 @@
         </p:nvSpPr>
         <p:spPr>
           <a:xfrm>
-            <a:off x="4728527" y="2769456"/>
+            <a:off x="5290059" y="2769456"/>
             <a:ext cx="1828800" cy="457200"/>
           </a:xfrm>
           <a:prstGeom prst="rect">
@@ -3142,7 +3142,7 @@
         </p:nvSpPr>
         <p:spPr>
           <a:xfrm>
-            <a:off x="146241" y="2769456"/>
+            <a:off x="707773" y="2769456"/>
             <a:ext cx="1828800" cy="457200"/>
           </a:xfrm>
           <a:prstGeom prst="rect">
@@ -3197,7 +3197,7 @@
         </p:nvSpPr>
         <p:spPr>
           <a:xfrm>
-            <a:off x="2370640" y="4804006"/>
+            <a:off x="2932172" y="4804006"/>
             <a:ext cx="1828800" cy="457200"/>
           </a:xfrm>
           <a:prstGeom prst="rect">
@@ -3252,7 +3252,7 @@
         </p:nvSpPr>
         <p:spPr>
           <a:xfrm>
-            <a:off x="9288184" y="2780011"/>
+            <a:off x="9849716" y="2780011"/>
             <a:ext cx="1828800" cy="457200"/>
           </a:xfrm>
           <a:prstGeom prst="rect">
@@ -3307,7 +3307,7 @@
         </p:nvSpPr>
         <p:spPr>
           <a:xfrm>
-            <a:off x="6858013" y="4804006"/>
+            <a:off x="7419545" y="4804006"/>
             <a:ext cx="1828800" cy="457200"/>
           </a:xfrm>
           <a:prstGeom prst="rect">
@@ -3362,7 +3362,7 @@
         </p:nvSpPr>
         <p:spPr>
           <a:xfrm>
-            <a:off x="6858013" y="1495414"/>
+            <a:off x="7419545" y="1495414"/>
             <a:ext cx="1828800" cy="457200"/>
           </a:xfrm>
           <a:prstGeom prst="rect">
@@ -3417,7 +3417,7 @@
         </p:nvSpPr>
         <p:spPr>
           <a:xfrm>
-            <a:off x="2214611" y="1976540"/>
+            <a:off x="2776143" y="1976540"/>
             <a:ext cx="2110971" cy="457200"/>
           </a:xfrm>
           <a:prstGeom prst="rect">
@@ -3472,7 +3472,7 @@
         </p:nvSpPr>
         <p:spPr>
           <a:xfrm>
-            <a:off x="4728527" y="146731"/>
+            <a:off x="5290059" y="146731"/>
             <a:ext cx="1828800" cy="457200"/>
           </a:xfrm>
           <a:prstGeom prst="rect">
@@ -3533,7 +3533,7 @@
         </p:nvCxnSpPr>
         <p:spPr>
           <a:xfrm>
-            <a:off x="5642927" y="603931"/>
+            <a:off x="6204459" y="603931"/>
             <a:ext cx="0" cy="210583"/>
           </a:xfrm>
           <a:prstGeom prst="straightConnector1">
@@ -3566,7 +3566,7 @@
         </p:nvSpPr>
         <p:spPr>
           <a:xfrm>
-            <a:off x="4728527" y="1488986"/>
+            <a:off x="5290059" y="1488986"/>
             <a:ext cx="1828800" cy="457200"/>
           </a:xfrm>
           <a:prstGeom prst="rect">
@@ -3627,7 +3627,7 @@
         </p:nvCxnSpPr>
         <p:spPr>
           <a:xfrm>
-            <a:off x="5642927" y="1271714"/>
+            <a:off x="6204459" y="1271714"/>
             <a:ext cx="0" cy="217272"/>
           </a:xfrm>
           <a:prstGeom prst="straightConnector1">
@@ -3663,7 +3663,7 @@
         </p:nvCxnSpPr>
         <p:spPr>
           <a:xfrm flipH="1">
-            <a:off x="4325582" y="1717586"/>
+            <a:off x="4887114" y="1717586"/>
             <a:ext cx="402945" cy="487554"/>
           </a:xfrm>
           <a:prstGeom prst="straightConnector1">
@@ -3699,7 +3699,7 @@
         </p:nvCxnSpPr>
         <p:spPr>
           <a:xfrm>
-            <a:off x="6557327" y="1717586"/>
+            <a:off x="7118859" y="1717586"/>
             <a:ext cx="300686" cy="6428"/>
           </a:xfrm>
           <a:prstGeom prst="straightConnector1">
@@ -3735,7 +3735,7 @@
         </p:nvCxnSpPr>
         <p:spPr>
           <a:xfrm>
-            <a:off x="3270097" y="2433740"/>
+            <a:off x="3831629" y="2433740"/>
             <a:ext cx="0" cy="346270"/>
           </a:xfrm>
           <a:prstGeom prst="straightConnector1">
@@ -3768,7 +3768,7 @@
         </p:nvSpPr>
         <p:spPr>
           <a:xfrm>
-            <a:off x="2355697" y="2780010"/>
+            <a:off x="2917229" y="2780010"/>
             <a:ext cx="1828800" cy="880995"/>
           </a:xfrm>
           <a:prstGeom prst="rect">
@@ -3808,15 +3808,7 @@
                   <a:schemeClr val="tx1"/>
                 </a:solidFill>
               </a:rPr>
-              <a:t>Simulated damage </a:t>
-            </a:r>
-            <a:r>
-              <a:rPr lang="en-US" dirty="0" smtClean="0">
-                <a:solidFill>
-                  <a:schemeClr val="tx1"/>
-                </a:solidFill>
-              </a:rPr>
-              <a:t>on each node</a:t>
+              <a:t>Simulated damage on each node</a:t>
             </a:r>
             <a:endParaRPr lang="en-US" dirty="0">
               <a:solidFill>
@@ -3834,7 +3826,7 @@
         </p:nvSpPr>
         <p:spPr>
           <a:xfrm>
-            <a:off x="6858013" y="2780011"/>
+            <a:off x="7419545" y="2780011"/>
             <a:ext cx="1828800" cy="457200"/>
           </a:xfrm>
           <a:prstGeom prst="rect">
@@ -3892,7 +3884,7 @@
         </p:nvSpPr>
         <p:spPr>
           <a:xfrm>
-            <a:off x="2370640" y="3889606"/>
+            <a:off x="2932172" y="3889606"/>
             <a:ext cx="1828800" cy="457200"/>
           </a:xfrm>
           <a:prstGeom prst="rect">
@@ -3950,7 +3942,7 @@
         </p:nvSpPr>
         <p:spPr>
           <a:xfrm>
-            <a:off x="6858013" y="3889606"/>
+            <a:off x="7419545" y="3889606"/>
             <a:ext cx="1828800" cy="457200"/>
           </a:xfrm>
           <a:prstGeom prst="rect">
@@ -4011,7 +4003,7 @@
         </p:nvCxnSpPr>
         <p:spPr>
           <a:xfrm>
-            <a:off x="7772413" y="1952614"/>
+            <a:off x="8333945" y="1952614"/>
             <a:ext cx="0" cy="827397"/>
           </a:xfrm>
           <a:prstGeom prst="straightConnector1">
@@ -4047,7 +4039,7 @@
         </p:nvCxnSpPr>
         <p:spPr>
           <a:xfrm flipH="1" flipV="1">
-            <a:off x="6557327" y="2998056"/>
+            <a:off x="7118859" y="2998056"/>
             <a:ext cx="300686" cy="10555"/>
           </a:xfrm>
           <a:prstGeom prst="straightConnector1">
@@ -4083,7 +4075,7 @@
         </p:nvCxnSpPr>
         <p:spPr>
           <a:xfrm flipV="1">
-            <a:off x="4184497" y="2998056"/>
+            <a:off x="4746029" y="2998056"/>
             <a:ext cx="544030" cy="222452"/>
           </a:xfrm>
           <a:prstGeom prst="straightConnector1">
@@ -4119,7 +4111,7 @@
         </p:nvCxnSpPr>
         <p:spPr>
           <a:xfrm flipH="1">
-            <a:off x="4199440" y="3226656"/>
+            <a:off x="4760972" y="3226656"/>
             <a:ext cx="1443487" cy="891550"/>
           </a:xfrm>
           <a:prstGeom prst="straightConnector1">
@@ -4155,7 +4147,7 @@
         </p:nvCxnSpPr>
         <p:spPr>
           <a:xfrm>
-            <a:off x="5642927" y="3226656"/>
+            <a:off x="6204459" y="3226656"/>
             <a:ext cx="1215086" cy="891550"/>
           </a:xfrm>
           <a:prstGeom prst="straightConnector1">
@@ -4188,7 +4180,7 @@
         </p:nvSpPr>
         <p:spPr>
           <a:xfrm>
-            <a:off x="140063" y="1455241"/>
+            <a:off x="701595" y="1455241"/>
             <a:ext cx="1828800" cy="457200"/>
           </a:xfrm>
           <a:prstGeom prst="rect">
@@ -4243,7 +4235,7 @@
         </p:nvSpPr>
         <p:spPr>
           <a:xfrm>
-            <a:off x="140063" y="817202"/>
+            <a:off x="701595" y="817202"/>
             <a:ext cx="1828800" cy="457200"/>
           </a:xfrm>
           <a:prstGeom prst="rect">
@@ -4304,7 +4296,7 @@
         </p:nvCxnSpPr>
         <p:spPr>
           <a:xfrm>
-            <a:off x="1054463" y="1274402"/>
+            <a:off x="1615995" y="1274402"/>
             <a:ext cx="0" cy="180839"/>
           </a:xfrm>
           <a:prstGeom prst="straightConnector1">
@@ -4337,7 +4329,7 @@
         </p:nvSpPr>
         <p:spPr>
           <a:xfrm>
-            <a:off x="150356" y="2045295"/>
+            <a:off x="711888" y="2045295"/>
             <a:ext cx="1828800" cy="457200"/>
           </a:xfrm>
           <a:prstGeom prst="rect">
@@ -4398,7 +4390,7 @@
         </p:nvCxnSpPr>
         <p:spPr>
           <a:xfrm>
-            <a:off x="1054463" y="1912441"/>
+            <a:off x="1615995" y="1912441"/>
             <a:ext cx="10293" cy="132854"/>
           </a:xfrm>
           <a:prstGeom prst="straightConnector1">
@@ -4434,7 +4426,7 @@
         </p:nvCxnSpPr>
         <p:spPr>
           <a:xfrm flipH="1">
-            <a:off x="1060641" y="2502495"/>
+            <a:off x="1622173" y="2502495"/>
             <a:ext cx="4115" cy="266961"/>
           </a:xfrm>
           <a:prstGeom prst="straightConnector1">
@@ -4467,7 +4459,7 @@
         </p:nvSpPr>
         <p:spPr>
           <a:xfrm>
-            <a:off x="111239" y="3455256"/>
+            <a:off x="672771" y="3455256"/>
             <a:ext cx="1915265" cy="894322"/>
           </a:xfrm>
           <a:prstGeom prst="rect">
@@ -4528,7 +4520,7 @@
         </p:nvCxnSpPr>
         <p:spPr>
           <a:xfrm>
-            <a:off x="1060641" y="3226656"/>
+            <a:off x="1622173" y="3226656"/>
             <a:ext cx="8231" cy="228600"/>
           </a:xfrm>
           <a:prstGeom prst="straightConnector1">
@@ -4564,7 +4556,7 @@
         </p:nvCxnSpPr>
         <p:spPr>
           <a:xfrm>
-            <a:off x="1068872" y="4349578"/>
+            <a:off x="1630404" y="4349578"/>
             <a:ext cx="1301768" cy="683028"/>
           </a:xfrm>
           <a:prstGeom prst="straightConnector1">
@@ -4600,7 +4592,7 @@
         </p:nvCxnSpPr>
         <p:spPr>
           <a:xfrm>
-            <a:off x="3285040" y="4346806"/>
+            <a:off x="3846572" y="4346806"/>
             <a:ext cx="0" cy="457200"/>
           </a:xfrm>
           <a:prstGeom prst="straightConnector1">
@@ -4636,7 +4628,7 @@
         </p:nvCxnSpPr>
         <p:spPr>
           <a:xfrm>
-            <a:off x="7772413" y="4346806"/>
+            <a:off x="8333945" y="4346806"/>
             <a:ext cx="0" cy="457200"/>
           </a:xfrm>
           <a:prstGeom prst="straightConnector1">
@@ -4669,7 +4661,7 @@
         </p:nvSpPr>
         <p:spPr>
           <a:xfrm>
-            <a:off x="150356" y="4804006"/>
+            <a:off x="711888" y="4804006"/>
             <a:ext cx="1828800" cy="457200"/>
           </a:xfrm>
           <a:prstGeom prst="rect">
@@ -4727,7 +4719,7 @@
         </p:nvSpPr>
         <p:spPr>
           <a:xfrm>
-            <a:off x="154471" y="5858648"/>
+            <a:off x="716003" y="5858648"/>
             <a:ext cx="1828800" cy="457200"/>
           </a:xfrm>
           <a:prstGeom prst="rect">
@@ -4785,7 +4777,7 @@
         </p:nvSpPr>
         <p:spPr>
           <a:xfrm>
-            <a:off x="4728527" y="4646139"/>
+            <a:off x="5290059" y="4646139"/>
             <a:ext cx="1828800" cy="782595"/>
           </a:xfrm>
           <a:prstGeom prst="rect">
@@ -4825,15 +4817,7 @@
                   <a:schemeClr val="tx1"/>
                 </a:solidFill>
               </a:rPr>
-              <a:t>Interpolated damage </a:t>
-            </a:r>
-            <a:r>
-              <a:rPr lang="en-US" dirty="0" smtClean="0">
-                <a:solidFill>
-                  <a:schemeClr val="tx1"/>
-                </a:solidFill>
-              </a:rPr>
-              <a:t>on each node</a:t>
+              <a:t>Interpolated damage on each node</a:t>
             </a:r>
             <a:endParaRPr lang="en-US" dirty="0">
               <a:solidFill>
@@ -4854,7 +4838,7 @@
         </p:nvCxnSpPr>
         <p:spPr>
           <a:xfrm flipH="1" flipV="1">
-            <a:off x="1968863" y="1683841"/>
+            <a:off x="2530395" y="1683841"/>
             <a:ext cx="2759664" cy="33745"/>
           </a:xfrm>
           <a:prstGeom prst="straightConnector1">
@@ -4890,7 +4874,7 @@
         </p:nvCxnSpPr>
         <p:spPr>
           <a:xfrm>
-            <a:off x="1979156" y="5032606"/>
+            <a:off x="2540688" y="5032606"/>
             <a:ext cx="391484" cy="0"/>
           </a:xfrm>
           <a:prstGeom prst="straightConnector1">
@@ -4926,7 +4910,7 @@
         </p:nvCxnSpPr>
         <p:spPr>
           <a:xfrm flipV="1">
-            <a:off x="1983271" y="5032606"/>
+            <a:off x="2544803" y="5032606"/>
             <a:ext cx="387369" cy="1054642"/>
           </a:xfrm>
           <a:prstGeom prst="straightConnector1">
@@ -4962,7 +4946,7 @@
         </p:nvCxnSpPr>
         <p:spPr>
           <a:xfrm>
-            <a:off x="4199440" y="5032606"/>
+            <a:off x="4760972" y="5032606"/>
             <a:ext cx="529087" cy="4831"/>
           </a:xfrm>
           <a:prstGeom prst="straightConnector1">
@@ -4998,7 +4982,7 @@
         </p:nvCxnSpPr>
         <p:spPr>
           <a:xfrm flipV="1">
-            <a:off x="6557327" y="5032606"/>
+            <a:off x="7118859" y="5032606"/>
             <a:ext cx="300686" cy="4831"/>
           </a:xfrm>
           <a:prstGeom prst="straightConnector1">
@@ -5031,7 +5015,7 @@
         </p:nvSpPr>
         <p:spPr>
           <a:xfrm>
-            <a:off x="9294713" y="3453064"/>
+            <a:off x="9856245" y="3453064"/>
             <a:ext cx="1828800" cy="1045952"/>
           </a:xfrm>
           <a:prstGeom prst="rect">
@@ -5089,7 +5073,7 @@
         </p:nvSpPr>
         <p:spPr>
           <a:xfrm>
-            <a:off x="6858013" y="5760822"/>
+            <a:off x="7419545" y="5760822"/>
             <a:ext cx="1828800" cy="1045442"/>
           </a:xfrm>
           <a:prstGeom prst="rect">
@@ -5150,7 +5134,7 @@
         </p:nvCxnSpPr>
         <p:spPr>
           <a:xfrm>
-            <a:off x="7772413" y="5261206"/>
+            <a:off x="8333945" y="5261206"/>
             <a:ext cx="0" cy="499616"/>
           </a:xfrm>
           <a:prstGeom prst="straightConnector1">
@@ -5186,7 +5170,7 @@
         </p:nvCxnSpPr>
         <p:spPr>
           <a:xfrm flipV="1">
-            <a:off x="8686813" y="3976040"/>
+            <a:off x="9248345" y="3976040"/>
             <a:ext cx="607900" cy="1056566"/>
           </a:xfrm>
           <a:prstGeom prst="straightConnector1">
@@ -5222,7 +5206,7 @@
         </p:nvCxnSpPr>
         <p:spPr>
           <a:xfrm flipH="1">
-            <a:off x="10202584" y="4499016"/>
+            <a:off x="10764116" y="4499016"/>
             <a:ext cx="6529" cy="304990"/>
           </a:xfrm>
           <a:prstGeom prst="straightConnector1">
@@ -5258,7 +5242,7 @@
         </p:nvCxnSpPr>
         <p:spPr>
           <a:xfrm flipV="1">
-            <a:off x="8686813" y="5032606"/>
+            <a:off x="9248345" y="5032606"/>
             <a:ext cx="601371" cy="1250937"/>
           </a:xfrm>
           <a:prstGeom prst="straightConnector1">
@@ -5294,7 +5278,7 @@
         </p:nvCxnSpPr>
         <p:spPr>
           <a:xfrm flipH="1" flipV="1">
-            <a:off x="10202584" y="3237211"/>
+            <a:off x="10764116" y="3237211"/>
             <a:ext cx="6529" cy="215853"/>
           </a:xfrm>
           <a:prstGeom prst="straightConnector1">
@@ -5330,7 +5314,7 @@
         </p:nvCxnSpPr>
         <p:spPr>
           <a:xfrm flipV="1">
-            <a:off x="10202584" y="2514331"/>
+            <a:off x="10764116" y="2514331"/>
             <a:ext cx="0" cy="265680"/>
           </a:xfrm>
           <a:prstGeom prst="straightConnector1">
@@ -5363,7 +5347,7 @@
         </p:nvSpPr>
         <p:spPr>
           <a:xfrm>
-            <a:off x="9288184" y="814514"/>
+            <a:off x="9849716" y="814514"/>
             <a:ext cx="1828800" cy="1699817"/>
           </a:xfrm>
           <a:prstGeom prst="rect">
@@ -5419,7 +5403,7 @@
         </p:nvSpPr>
         <p:spPr>
           <a:xfrm>
-            <a:off x="9288183" y="5760822"/>
+            <a:off x="9849715" y="5760822"/>
             <a:ext cx="1828800" cy="457200"/>
           </a:xfrm>
           <a:prstGeom prst="rect">
@@ -5480,7 +5464,7 @@
         </p:nvCxnSpPr>
         <p:spPr>
           <a:xfrm flipH="1">
-            <a:off x="10202583" y="5261206"/>
+            <a:off x="10764115" y="5261206"/>
             <a:ext cx="1" cy="499616"/>
           </a:xfrm>
           <a:prstGeom prst="straightConnector1">
@@ -5513,7 +5497,7 @@
         </p:nvSpPr>
         <p:spPr>
           <a:xfrm>
-            <a:off x="337751" y="74141"/>
+            <a:off x="899283" y="74141"/>
             <a:ext cx="3402227" cy="553998"/>
           </a:xfrm>
           <a:prstGeom prst="rect">
